--- a/rec-notes/r02.pptx
+++ b/rec-notes/r02.pptx
@@ -1,6 +1,6 @@
 
 <file path=ppt/presentation.xml><?xml version="1.0" encoding="utf-8"?>
-<p:presentation xmlns:a="http://schemas.openxmlformats.org/drawingml/2006/main" xmlns:r="http://schemas.openxmlformats.org/officeDocument/2006/relationships" xmlns:p="http://schemas.openxmlformats.org/presentationml/2006/main" saveSubsetFonts="1" autoCompressPictures="0">
+<p:presentation xmlns:a="http://schemas.openxmlformats.org/drawingml/2006/main" xmlns:r="http://schemas.openxmlformats.org/officeDocument/2006/relationships" xmlns:p="http://schemas.openxmlformats.org/presentationml/2006/main" showSpecialPlsOnTitleSld="0" saveSubsetFonts="1" autoCompressPictures="0">
   <p:sldMasterIdLst>
     <p:sldMasterId id="2147483660" r:id="rId1"/>
   </p:sldMasterIdLst>
@@ -2064,7 +2064,7 @@
           <a:bodyPr/>
           <a:lstStyle/>
           <a:p>
-            <a:fld id="{76A7597E-8CC0-254B-8AB7-2A401D11C0B3}" type="datetimeFigureOut">
+            <a:fld id="{EB7C0BE2-5EF7-6843-9384-B6810FDD01A6}" type="datetime1">
               <a:rPr lang="en-US" smtClean="0"/>
               <a:t>9/9/20</a:t>
             </a:fld>
@@ -2234,7 +2234,7 @@
           <a:bodyPr/>
           <a:lstStyle/>
           <a:p>
-            <a:fld id="{76A7597E-8CC0-254B-8AB7-2A401D11C0B3}" type="datetimeFigureOut">
+            <a:fld id="{9E5FF05B-D39E-7E43-802F-A355695018B9}" type="datetime1">
               <a:rPr lang="en-US" smtClean="0"/>
               <a:t>9/9/20</a:t>
             </a:fld>
@@ -2414,7 +2414,7 @@
           <a:bodyPr/>
           <a:lstStyle/>
           <a:p>
-            <a:fld id="{76A7597E-8CC0-254B-8AB7-2A401D11C0B3}" type="datetimeFigureOut">
+            <a:fld id="{2B8243C1-1E12-2F44-B661-22B3DD54E37C}" type="datetime1">
               <a:rPr lang="en-US" smtClean="0"/>
               <a:t>9/9/20</a:t>
             </a:fld>
@@ -2584,7 +2584,7 @@
           <a:bodyPr/>
           <a:lstStyle/>
           <a:p>
-            <a:fld id="{76A7597E-8CC0-254B-8AB7-2A401D11C0B3}" type="datetimeFigureOut">
+            <a:fld id="{81549DC8-7B52-B14F-935E-3D881D396574}" type="datetime1">
               <a:rPr lang="en-US" smtClean="0"/>
               <a:t>9/9/20</a:t>
             </a:fld>
@@ -2624,13 +2624,18 @@
         <p:spPr/>
         <p:txBody>
           <a:bodyPr/>
-          <a:lstStyle/>
+          <a:lstStyle>
+            <a:lvl1pPr>
+              <a:defRPr sz="2400"/>
+            </a:lvl1pPr>
+          </a:lstStyle>
           <a:p>
             <a:fld id="{BE61BAA3-275B-CA48-B210-7066BA7151C8}" type="slidenum">
               <a:rPr lang="en-US" smtClean="0"/>
+              <a:pPr/>
               <a:t>‹#›</a:t>
             </a:fld>
-            <a:endParaRPr lang="en-US"/>
+            <a:endParaRPr lang="en-US" dirty="0"/>
           </a:p>
         </p:txBody>
       </p:sp>
@@ -2830,7 +2835,7 @@
           <a:bodyPr/>
           <a:lstStyle/>
           <a:p>
-            <a:fld id="{76A7597E-8CC0-254B-8AB7-2A401D11C0B3}" type="datetimeFigureOut">
+            <a:fld id="{69A60606-B94B-6F4B-9E03-66E9F3C8857F}" type="datetime1">
               <a:rPr lang="en-US" smtClean="0"/>
               <a:t>9/9/20</a:t>
             </a:fld>
@@ -2870,13 +2875,18 @@
         <p:spPr/>
         <p:txBody>
           <a:bodyPr/>
-          <a:lstStyle/>
+          <a:lstStyle>
+            <a:lvl1pPr>
+              <a:defRPr sz="2400"/>
+            </a:lvl1pPr>
+          </a:lstStyle>
           <a:p>
             <a:fld id="{BE61BAA3-275B-CA48-B210-7066BA7151C8}" type="slidenum">
               <a:rPr lang="en-US" smtClean="0"/>
+              <a:pPr/>
               <a:t>‹#›</a:t>
             </a:fld>
-            <a:endParaRPr lang="en-US"/>
+            <a:endParaRPr lang="en-US" dirty="0"/>
           </a:p>
         </p:txBody>
       </p:sp>
@@ -3062,7 +3072,7 @@
           <a:bodyPr/>
           <a:lstStyle/>
           <a:p>
-            <a:fld id="{76A7597E-8CC0-254B-8AB7-2A401D11C0B3}" type="datetimeFigureOut">
+            <a:fld id="{213C0C55-8D62-0B42-AB84-EFDA87B02E12}" type="datetime1">
               <a:rPr lang="en-US" smtClean="0"/>
               <a:t>9/9/20</a:t>
             </a:fld>
@@ -3429,7 +3439,7 @@
           <a:bodyPr/>
           <a:lstStyle/>
           <a:p>
-            <a:fld id="{76A7597E-8CC0-254B-8AB7-2A401D11C0B3}" type="datetimeFigureOut">
+            <a:fld id="{35243AD7-5D1C-BF4B-98F1-B004AB622C8F}" type="datetime1">
               <a:rPr lang="en-US" smtClean="0"/>
               <a:t>9/9/20</a:t>
             </a:fld>
@@ -3547,7 +3557,7 @@
           <a:bodyPr/>
           <a:lstStyle/>
           <a:p>
-            <a:fld id="{76A7597E-8CC0-254B-8AB7-2A401D11C0B3}" type="datetimeFigureOut">
+            <a:fld id="{959766C0-7A0C-A24B-A125-B4F8405607DC}" type="datetime1">
               <a:rPr lang="en-US" smtClean="0"/>
               <a:t>9/9/20</a:t>
             </a:fld>
@@ -3642,7 +3652,7 @@
           <a:bodyPr/>
           <a:lstStyle/>
           <a:p>
-            <a:fld id="{76A7597E-8CC0-254B-8AB7-2A401D11C0B3}" type="datetimeFigureOut">
+            <a:fld id="{D195A066-85A9-FC48-98B6-82A0FC15A0EC}" type="datetime1">
               <a:rPr lang="en-US" smtClean="0"/>
               <a:t>9/9/20</a:t>
             </a:fld>
@@ -3919,7 +3929,7 @@
           <a:bodyPr/>
           <a:lstStyle/>
           <a:p>
-            <a:fld id="{76A7597E-8CC0-254B-8AB7-2A401D11C0B3}" type="datetimeFigureOut">
+            <a:fld id="{DBDCA655-15A2-1C47-BB5F-61FBC85762B6}" type="datetime1">
               <a:rPr lang="en-US" smtClean="0"/>
               <a:t>9/9/20</a:t>
             </a:fld>
@@ -4176,7 +4186,7 @@
           <a:bodyPr/>
           <a:lstStyle/>
           <a:p>
-            <a:fld id="{76A7597E-8CC0-254B-8AB7-2A401D11C0B3}" type="datetimeFigureOut">
+            <a:fld id="{9A9FEB6E-E367-8A4C-8005-94148AAAF220}" type="datetime1">
               <a:rPr lang="en-US" smtClean="0"/>
               <a:t>9/9/20</a:t>
             </a:fld>
@@ -4389,7 +4399,7 @@
             </a:lvl1pPr>
           </a:lstStyle>
           <a:p>
-            <a:fld id="{76A7597E-8CC0-254B-8AB7-2A401D11C0B3}" type="datetimeFigureOut">
+            <a:fld id="{A5847D28-F172-5B48-88D6-C145A62FF833}" type="datetime1">
               <a:rPr lang="en-US" smtClean="0"/>
               <a:t>9/9/20</a:t>
             </a:fld>
@@ -4496,6 +4506,7 @@
     <p:sldLayoutId id="2147483670" r:id="rId10"/>
     <p:sldLayoutId id="2147483671" r:id="rId11"/>
   </p:sldLayoutIdLst>
+  <p:hf hdr="0" ftr="0" dt="0"/>
   <p:txStyles>
     <p:titleStyle>
       <a:lvl1pPr algn="l" defTabSz="914400" rtl="0" eaLnBrk="1" latinLnBrk="0" hangingPunct="1">
@@ -5118,6 +5129,29 @@
           </a:prstGeom>
         </p:spPr>
       </p:pic>
+      <p:sp>
+        <p:nvSpPr>
+          <p:cNvPr id="6" name="Slide Number Placeholder 5"/>
+          <p:cNvSpPr>
+            <a:spLocks noGrp="1"/>
+          </p:cNvSpPr>
+          <p:nvPr>
+            <p:ph type="sldNum" sz="quarter" idx="12"/>
+          </p:nvPr>
+        </p:nvSpPr>
+        <p:spPr/>
+        <p:txBody>
+          <a:bodyPr/>
+          <a:lstStyle/>
+          <a:p>
+            <a:fld id="{BE61BAA3-275B-CA48-B210-7066BA7151C8}" type="slidenum">
+              <a:rPr lang="en-US" smtClean="0"/>
+              <a:t>10</a:t>
+            </a:fld>
+            <a:endParaRPr lang="en-US"/>
+          </a:p>
+        </p:txBody>
+      </p:sp>
     </p:spTree>
     <p:extLst>
       <p:ext uri="{BB962C8B-B14F-4D97-AF65-F5344CB8AC3E}">
@@ -5515,6 +5549,29 @@
           <a:p>
             <a:pPr lvl="1"/>
             <a:endParaRPr lang="en-US" dirty="0"/>
+          </a:p>
+        </p:txBody>
+      </p:sp>
+      <p:sp>
+        <p:nvSpPr>
+          <p:cNvPr id="4" name="Slide Number Placeholder 3"/>
+          <p:cNvSpPr>
+            <a:spLocks noGrp="1"/>
+          </p:cNvSpPr>
+          <p:nvPr>
+            <p:ph type="sldNum" sz="quarter" idx="12"/>
+          </p:nvPr>
+        </p:nvSpPr>
+        <p:spPr/>
+        <p:txBody>
+          <a:bodyPr/>
+          <a:lstStyle/>
+          <a:p>
+            <a:fld id="{BE61BAA3-275B-CA48-B210-7066BA7151C8}" type="slidenum">
+              <a:rPr lang="en-US" smtClean="0"/>
+              <a:t>11</a:t>
+            </a:fld>
+            <a:endParaRPr lang="en-US"/>
           </a:p>
         </p:txBody>
       </p:sp>
@@ -6018,6 +6075,29 @@
           </a:p>
         </p:txBody>
       </p:sp>
+      <p:sp>
+        <p:nvSpPr>
+          <p:cNvPr id="4" name="Slide Number Placeholder 3"/>
+          <p:cNvSpPr>
+            <a:spLocks noGrp="1"/>
+          </p:cNvSpPr>
+          <p:nvPr>
+            <p:ph type="sldNum" sz="quarter" idx="12"/>
+          </p:nvPr>
+        </p:nvSpPr>
+        <p:spPr/>
+        <p:txBody>
+          <a:bodyPr/>
+          <a:lstStyle/>
+          <a:p>
+            <a:fld id="{BE61BAA3-275B-CA48-B210-7066BA7151C8}" type="slidenum">
+              <a:rPr lang="en-US" smtClean="0"/>
+              <a:t>12</a:t>
+            </a:fld>
+            <a:endParaRPr lang="en-US"/>
+          </a:p>
+        </p:txBody>
+      </p:sp>
     </p:spTree>
     <p:extLst>
       <p:ext uri="{BB962C8B-B14F-4D97-AF65-F5344CB8AC3E}">
@@ -6402,6 +6482,29 @@
           </a:p>
         </p:txBody>
       </p:sp>
+      <p:sp>
+        <p:nvSpPr>
+          <p:cNvPr id="4" name="Slide Number Placeholder 3"/>
+          <p:cNvSpPr>
+            <a:spLocks noGrp="1"/>
+          </p:cNvSpPr>
+          <p:nvPr>
+            <p:ph type="sldNum" sz="quarter" idx="12"/>
+          </p:nvPr>
+        </p:nvSpPr>
+        <p:spPr/>
+        <p:txBody>
+          <a:bodyPr/>
+          <a:lstStyle/>
+          <a:p>
+            <a:fld id="{BE61BAA3-275B-CA48-B210-7066BA7151C8}" type="slidenum">
+              <a:rPr lang="en-US" smtClean="0"/>
+              <a:t>13</a:t>
+            </a:fld>
+            <a:endParaRPr lang="en-US"/>
+          </a:p>
+        </p:txBody>
+      </p:sp>
     </p:spTree>
     <p:extLst>
       <p:ext uri="{BB962C8B-B14F-4D97-AF65-F5344CB8AC3E}">
@@ -6485,6 +6588,29 @@
           </a:p>
         </p:txBody>
       </p:sp>
+      <p:sp>
+        <p:nvSpPr>
+          <p:cNvPr id="4" name="Slide Number Placeholder 3"/>
+          <p:cNvSpPr>
+            <a:spLocks noGrp="1"/>
+          </p:cNvSpPr>
+          <p:nvPr>
+            <p:ph type="sldNum" sz="quarter" idx="12"/>
+          </p:nvPr>
+        </p:nvSpPr>
+        <p:spPr/>
+        <p:txBody>
+          <a:bodyPr/>
+          <a:lstStyle/>
+          <a:p>
+            <a:fld id="{BE61BAA3-275B-CA48-B210-7066BA7151C8}" type="slidenum">
+              <a:rPr lang="en-US" smtClean="0"/>
+              <a:t>14</a:t>
+            </a:fld>
+            <a:endParaRPr lang="en-US"/>
+          </a:p>
+        </p:txBody>
+      </p:sp>
     </p:spTree>
     <p:extLst>
       <p:ext uri="{BB962C8B-B14F-4D97-AF65-F5344CB8AC3E}">
@@ -6568,6 +6694,29 @@
           </a:p>
         </p:txBody>
       </p:sp>
+      <p:sp>
+        <p:nvSpPr>
+          <p:cNvPr id="2" name="Slide Number Placeholder 1"/>
+          <p:cNvSpPr>
+            <a:spLocks noGrp="1"/>
+          </p:cNvSpPr>
+          <p:nvPr>
+            <p:ph type="sldNum" sz="quarter" idx="12"/>
+          </p:nvPr>
+        </p:nvSpPr>
+        <p:spPr/>
+        <p:txBody>
+          <a:bodyPr/>
+          <a:lstStyle/>
+          <a:p>
+            <a:fld id="{BE61BAA3-275B-CA48-B210-7066BA7151C8}" type="slidenum">
+              <a:rPr lang="en-US" smtClean="0"/>
+              <a:t>15</a:t>
+            </a:fld>
+            <a:endParaRPr lang="en-US"/>
+          </a:p>
+        </p:txBody>
+      </p:sp>
     </p:spTree>
     <p:extLst>
       <p:ext uri="{BB962C8B-B14F-4D97-AF65-F5344CB8AC3E}">
@@ -6697,6 +6846,29 @@
           </a:p>
         </p:txBody>
       </p:sp>
+      <p:sp>
+        <p:nvSpPr>
+          <p:cNvPr id="4" name="Slide Number Placeholder 3"/>
+          <p:cNvSpPr>
+            <a:spLocks noGrp="1"/>
+          </p:cNvSpPr>
+          <p:nvPr>
+            <p:ph type="sldNum" sz="quarter" idx="12"/>
+          </p:nvPr>
+        </p:nvSpPr>
+        <p:spPr/>
+        <p:txBody>
+          <a:bodyPr/>
+          <a:lstStyle/>
+          <a:p>
+            <a:fld id="{BE61BAA3-275B-CA48-B210-7066BA7151C8}" type="slidenum">
+              <a:rPr lang="en-US" smtClean="0"/>
+              <a:t>16</a:t>
+            </a:fld>
+            <a:endParaRPr lang="en-US"/>
+          </a:p>
+        </p:txBody>
+      </p:sp>
     </p:spTree>
     <p:extLst>
       <p:ext uri="{BB962C8B-B14F-4D97-AF65-F5344CB8AC3E}">
@@ -6895,6 +7067,29 @@
           </a:p>
           <a:p>
             <a:endParaRPr lang="en-US" dirty="0" smtClean="0"/>
+          </a:p>
+        </p:txBody>
+      </p:sp>
+      <p:sp>
+        <p:nvSpPr>
+          <p:cNvPr id="4" name="Slide Number Placeholder 3"/>
+          <p:cNvSpPr>
+            <a:spLocks noGrp="1"/>
+          </p:cNvSpPr>
+          <p:nvPr>
+            <p:ph type="sldNum" sz="quarter" idx="12"/>
+          </p:nvPr>
+        </p:nvSpPr>
+        <p:spPr/>
+        <p:txBody>
+          <a:bodyPr/>
+          <a:lstStyle/>
+          <a:p>
+            <a:fld id="{BE61BAA3-275B-CA48-B210-7066BA7151C8}" type="slidenum">
+              <a:rPr lang="en-US" smtClean="0"/>
+              <a:t>17</a:t>
+            </a:fld>
+            <a:endParaRPr lang="en-US"/>
           </a:p>
         </p:txBody>
       </p:sp>
@@ -7368,6 +7563,29 @@
           </a:p>
           <a:p>
             <a:endParaRPr lang="en-US" dirty="0"/>
+          </a:p>
+        </p:txBody>
+      </p:sp>
+      <p:sp>
+        <p:nvSpPr>
+          <p:cNvPr id="4" name="Slide Number Placeholder 3"/>
+          <p:cNvSpPr>
+            <a:spLocks noGrp="1"/>
+          </p:cNvSpPr>
+          <p:nvPr>
+            <p:ph type="sldNum" sz="quarter" idx="12"/>
+          </p:nvPr>
+        </p:nvSpPr>
+        <p:spPr/>
+        <p:txBody>
+          <a:bodyPr/>
+          <a:lstStyle/>
+          <a:p>
+            <a:fld id="{BE61BAA3-275B-CA48-B210-7066BA7151C8}" type="slidenum">
+              <a:rPr lang="en-US" smtClean="0"/>
+              <a:t>18</a:t>
+            </a:fld>
+            <a:endParaRPr lang="en-US"/>
           </a:p>
         </p:txBody>
       </p:sp>
@@ -7997,6 +8215,29 @@
           </a:p>
         </p:txBody>
       </p:sp>
+      <p:sp>
+        <p:nvSpPr>
+          <p:cNvPr id="4" name="Slide Number Placeholder 3"/>
+          <p:cNvSpPr>
+            <a:spLocks noGrp="1"/>
+          </p:cNvSpPr>
+          <p:nvPr>
+            <p:ph type="sldNum" sz="quarter" idx="12"/>
+          </p:nvPr>
+        </p:nvSpPr>
+        <p:spPr/>
+        <p:txBody>
+          <a:bodyPr/>
+          <a:lstStyle/>
+          <a:p>
+            <a:fld id="{BE61BAA3-275B-CA48-B210-7066BA7151C8}" type="slidenum">
+              <a:rPr lang="en-US" smtClean="0"/>
+              <a:t>19</a:t>
+            </a:fld>
+            <a:endParaRPr lang="en-US"/>
+          </a:p>
+        </p:txBody>
+      </p:sp>
     </p:spTree>
     <p:extLst>
       <p:ext uri="{BB962C8B-B14F-4D97-AF65-F5344CB8AC3E}">
@@ -8299,6 +8540,29 @@
           </a:p>
         </p:txBody>
       </p:sp>
+      <p:sp>
+        <p:nvSpPr>
+          <p:cNvPr id="4" name="Slide Number Placeholder 3"/>
+          <p:cNvSpPr>
+            <a:spLocks noGrp="1"/>
+          </p:cNvSpPr>
+          <p:nvPr>
+            <p:ph type="sldNum" sz="quarter" idx="12"/>
+          </p:nvPr>
+        </p:nvSpPr>
+        <p:spPr/>
+        <p:txBody>
+          <a:bodyPr/>
+          <a:lstStyle/>
+          <a:p>
+            <a:fld id="{BE61BAA3-275B-CA48-B210-7066BA7151C8}" type="slidenum">
+              <a:rPr lang="en-US" smtClean="0"/>
+              <a:t>2</a:t>
+            </a:fld>
+            <a:endParaRPr lang="en-US"/>
+          </a:p>
+        </p:txBody>
+      </p:sp>
     </p:spTree>
     <p:extLst>
       <p:ext uri="{BB962C8B-B14F-4D97-AF65-F5344CB8AC3E}">
@@ -8694,6 +8958,29 @@
           </a:p>
         </p:txBody>
       </p:sp>
+      <p:sp>
+        <p:nvSpPr>
+          <p:cNvPr id="4" name="Slide Number Placeholder 3"/>
+          <p:cNvSpPr>
+            <a:spLocks noGrp="1"/>
+          </p:cNvSpPr>
+          <p:nvPr>
+            <p:ph type="sldNum" sz="quarter" idx="12"/>
+          </p:nvPr>
+        </p:nvSpPr>
+        <p:spPr/>
+        <p:txBody>
+          <a:bodyPr/>
+          <a:lstStyle/>
+          <a:p>
+            <a:fld id="{BE61BAA3-275B-CA48-B210-7066BA7151C8}" type="slidenum">
+              <a:rPr lang="en-US" smtClean="0"/>
+              <a:t>20</a:t>
+            </a:fld>
+            <a:endParaRPr lang="en-US"/>
+          </a:p>
+        </p:txBody>
+      </p:sp>
     </p:spTree>
     <p:extLst>
       <p:ext uri="{BB962C8B-B14F-4D97-AF65-F5344CB8AC3E}">
@@ -9035,6 +9322,29 @@
           </a:p>
         </p:txBody>
       </p:sp>
+      <p:sp>
+        <p:nvSpPr>
+          <p:cNvPr id="4" name="Slide Number Placeholder 3"/>
+          <p:cNvSpPr>
+            <a:spLocks noGrp="1"/>
+          </p:cNvSpPr>
+          <p:nvPr>
+            <p:ph type="sldNum" sz="quarter" idx="12"/>
+          </p:nvPr>
+        </p:nvSpPr>
+        <p:spPr/>
+        <p:txBody>
+          <a:bodyPr/>
+          <a:lstStyle/>
+          <a:p>
+            <a:fld id="{BE61BAA3-275B-CA48-B210-7066BA7151C8}" type="slidenum">
+              <a:rPr lang="en-US" smtClean="0"/>
+              <a:t>21</a:t>
+            </a:fld>
+            <a:endParaRPr lang="en-US"/>
+          </a:p>
+        </p:txBody>
+      </p:sp>
     </p:spTree>
     <p:extLst>
       <p:ext uri="{BB962C8B-B14F-4D97-AF65-F5344CB8AC3E}">
@@ -9278,6 +9588,29 @@
                 <a:srgbClr val="92D050"/>
               </a:solidFill>
             </a:endParaRPr>
+          </a:p>
+        </p:txBody>
+      </p:sp>
+      <p:sp>
+        <p:nvSpPr>
+          <p:cNvPr id="4" name="Slide Number Placeholder 3"/>
+          <p:cNvSpPr>
+            <a:spLocks noGrp="1"/>
+          </p:cNvSpPr>
+          <p:nvPr>
+            <p:ph type="sldNum" sz="quarter" idx="12"/>
+          </p:nvPr>
+        </p:nvSpPr>
+        <p:spPr/>
+        <p:txBody>
+          <a:bodyPr/>
+          <a:lstStyle/>
+          <a:p>
+            <a:fld id="{BE61BAA3-275B-CA48-B210-7066BA7151C8}" type="slidenum">
+              <a:rPr lang="en-US" smtClean="0"/>
+              <a:t>22</a:t>
+            </a:fld>
+            <a:endParaRPr lang="en-US"/>
           </a:p>
         </p:txBody>
       </p:sp>
@@ -9818,6 +10151,29 @@
           </a:p>
         </p:txBody>
       </p:sp>
+      <p:sp>
+        <p:nvSpPr>
+          <p:cNvPr id="4" name="Slide Number Placeholder 3"/>
+          <p:cNvSpPr>
+            <a:spLocks noGrp="1"/>
+          </p:cNvSpPr>
+          <p:nvPr>
+            <p:ph type="sldNum" sz="quarter" idx="12"/>
+          </p:nvPr>
+        </p:nvSpPr>
+        <p:spPr/>
+        <p:txBody>
+          <a:bodyPr/>
+          <a:lstStyle/>
+          <a:p>
+            <a:fld id="{BE61BAA3-275B-CA48-B210-7066BA7151C8}" type="slidenum">
+              <a:rPr lang="en-US" smtClean="0"/>
+              <a:t>23</a:t>
+            </a:fld>
+            <a:endParaRPr lang="en-US"/>
+          </a:p>
+        </p:txBody>
+      </p:sp>
     </p:spTree>
     <p:extLst>
       <p:ext uri="{BB962C8B-B14F-4D97-AF65-F5344CB8AC3E}">
@@ -9901,6 +10257,29 @@
           </a:p>
         </p:txBody>
       </p:sp>
+      <p:sp>
+        <p:nvSpPr>
+          <p:cNvPr id="2" name="Slide Number Placeholder 1"/>
+          <p:cNvSpPr>
+            <a:spLocks noGrp="1"/>
+          </p:cNvSpPr>
+          <p:nvPr>
+            <p:ph type="sldNum" sz="quarter" idx="12"/>
+          </p:nvPr>
+        </p:nvSpPr>
+        <p:spPr/>
+        <p:txBody>
+          <a:bodyPr/>
+          <a:lstStyle/>
+          <a:p>
+            <a:fld id="{BE61BAA3-275B-CA48-B210-7066BA7151C8}" type="slidenum">
+              <a:rPr lang="en-US" smtClean="0"/>
+              <a:t>24</a:t>
+            </a:fld>
+            <a:endParaRPr lang="en-US"/>
+          </a:p>
+        </p:txBody>
+      </p:sp>
     </p:spTree>
     <p:extLst>
       <p:ext uri="{BB962C8B-B14F-4D97-AF65-F5344CB8AC3E}">
@@ -10017,6 +10396,29 @@
           </a:p>
         </p:txBody>
       </p:sp>
+      <p:sp>
+        <p:nvSpPr>
+          <p:cNvPr id="4" name="Slide Number Placeholder 3"/>
+          <p:cNvSpPr>
+            <a:spLocks noGrp="1"/>
+          </p:cNvSpPr>
+          <p:nvPr>
+            <p:ph type="sldNum" sz="quarter" idx="12"/>
+          </p:nvPr>
+        </p:nvSpPr>
+        <p:spPr/>
+        <p:txBody>
+          <a:bodyPr/>
+          <a:lstStyle/>
+          <a:p>
+            <a:fld id="{BE61BAA3-275B-CA48-B210-7066BA7151C8}" type="slidenum">
+              <a:rPr lang="en-US" smtClean="0"/>
+              <a:t>25</a:t>
+            </a:fld>
+            <a:endParaRPr lang="en-US"/>
+          </a:p>
+        </p:txBody>
+      </p:sp>
     </p:spTree>
     <p:extLst>
       <p:ext uri="{BB962C8B-B14F-4D97-AF65-F5344CB8AC3E}">
@@ -10189,6 +10591,29 @@
               <a:rPr lang="en-US" dirty="0" smtClean="0"/>
               <a:t>will crash if 1+1 is not 2, but be fine otherwise</a:t>
             </a:r>
+            <a:endParaRPr lang="en-US" dirty="0"/>
+          </a:p>
+        </p:txBody>
+      </p:sp>
+      <p:sp>
+        <p:nvSpPr>
+          <p:cNvPr id="4" name="Slide Number Placeholder 3"/>
+          <p:cNvSpPr>
+            <a:spLocks noGrp="1"/>
+          </p:cNvSpPr>
+          <p:nvPr>
+            <p:ph type="sldNum" sz="quarter" idx="12"/>
+          </p:nvPr>
+        </p:nvSpPr>
+        <p:spPr/>
+        <p:txBody>
+          <a:bodyPr/>
+          <a:lstStyle/>
+          <a:p>
+            <a:fld id="{BE61BAA3-275B-CA48-B210-7066BA7151C8}" type="slidenum">
+              <a:rPr lang="en-US" smtClean="0"/>
+              <a:t>26</a:t>
+            </a:fld>
             <a:endParaRPr lang="en-US" dirty="0"/>
           </a:p>
         </p:txBody>
@@ -10541,6 +10966,29 @@
           </a:p>
         </p:txBody>
       </p:sp>
+      <p:sp>
+        <p:nvSpPr>
+          <p:cNvPr id="4" name="Slide Number Placeholder 3"/>
+          <p:cNvSpPr>
+            <a:spLocks noGrp="1"/>
+          </p:cNvSpPr>
+          <p:nvPr>
+            <p:ph type="sldNum" sz="quarter" idx="12"/>
+          </p:nvPr>
+        </p:nvSpPr>
+        <p:spPr/>
+        <p:txBody>
+          <a:bodyPr/>
+          <a:lstStyle/>
+          <a:p>
+            <a:fld id="{BE61BAA3-275B-CA48-B210-7066BA7151C8}" type="slidenum">
+              <a:rPr lang="en-US" smtClean="0"/>
+              <a:t>3</a:t>
+            </a:fld>
+            <a:endParaRPr lang="en-US"/>
+          </a:p>
+        </p:txBody>
+      </p:sp>
     </p:spTree>
     <p:extLst>
       <p:ext uri="{BB962C8B-B14F-4D97-AF65-F5344CB8AC3E}">
@@ -10624,6 +11072,29 @@
           </a:p>
         </p:txBody>
       </p:sp>
+      <p:sp>
+        <p:nvSpPr>
+          <p:cNvPr id="2" name="Slide Number Placeholder 1"/>
+          <p:cNvSpPr>
+            <a:spLocks noGrp="1"/>
+          </p:cNvSpPr>
+          <p:nvPr>
+            <p:ph type="sldNum" sz="quarter" idx="12"/>
+          </p:nvPr>
+        </p:nvSpPr>
+        <p:spPr/>
+        <p:txBody>
+          <a:bodyPr/>
+          <a:lstStyle/>
+          <a:p>
+            <a:fld id="{BE61BAA3-275B-CA48-B210-7066BA7151C8}" type="slidenum">
+              <a:rPr lang="en-US" smtClean="0"/>
+              <a:t>4</a:t>
+            </a:fld>
+            <a:endParaRPr lang="en-US"/>
+          </a:p>
+        </p:txBody>
+      </p:sp>
     </p:spTree>
     <p:extLst>
       <p:ext uri="{BB962C8B-B14F-4D97-AF65-F5344CB8AC3E}">
@@ -10744,6 +11215,29 @@
           </a:p>
         </p:txBody>
       </p:sp>
+      <p:sp>
+        <p:nvSpPr>
+          <p:cNvPr id="2" name="Slide Number Placeholder 1"/>
+          <p:cNvSpPr>
+            <a:spLocks noGrp="1"/>
+          </p:cNvSpPr>
+          <p:nvPr>
+            <p:ph type="sldNum" sz="quarter" idx="12"/>
+          </p:nvPr>
+        </p:nvSpPr>
+        <p:spPr/>
+        <p:txBody>
+          <a:bodyPr/>
+          <a:lstStyle/>
+          <a:p>
+            <a:fld id="{BE61BAA3-275B-CA48-B210-7066BA7151C8}" type="slidenum">
+              <a:rPr lang="en-US" smtClean="0"/>
+              <a:t>5</a:t>
+            </a:fld>
+            <a:endParaRPr lang="en-US"/>
+          </a:p>
+        </p:txBody>
+      </p:sp>
     </p:spTree>
     <p:extLst>
       <p:ext uri="{BB962C8B-B14F-4D97-AF65-F5344CB8AC3E}">
@@ -11002,6 +11496,29 @@
           </a:prstGeom>
         </p:spPr>
       </p:pic>
+      <p:sp>
+        <p:nvSpPr>
+          <p:cNvPr id="4" name="Slide Number Placeholder 3"/>
+          <p:cNvSpPr>
+            <a:spLocks noGrp="1"/>
+          </p:cNvSpPr>
+          <p:nvPr>
+            <p:ph type="sldNum" sz="quarter" idx="12"/>
+          </p:nvPr>
+        </p:nvSpPr>
+        <p:spPr/>
+        <p:txBody>
+          <a:bodyPr/>
+          <a:lstStyle/>
+          <a:p>
+            <a:fld id="{BE61BAA3-275B-CA48-B210-7066BA7151C8}" type="slidenum">
+              <a:rPr lang="en-US" smtClean="0"/>
+              <a:t>6</a:t>
+            </a:fld>
+            <a:endParaRPr lang="en-US"/>
+          </a:p>
+        </p:txBody>
+      </p:sp>
     </p:spTree>
     <p:extLst>
       <p:ext uri="{BB962C8B-B14F-4D97-AF65-F5344CB8AC3E}">
@@ -11858,6 +12375,29 @@
           <a:lstStyle/>
           <a:p>
             <a:endParaRPr lang="en-US" dirty="0"/>
+          </a:p>
+        </p:txBody>
+      </p:sp>
+      <p:sp>
+        <p:nvSpPr>
+          <p:cNvPr id="4" name="Slide Number Placeholder 3"/>
+          <p:cNvSpPr>
+            <a:spLocks noGrp="1"/>
+          </p:cNvSpPr>
+          <p:nvPr>
+            <p:ph type="sldNum" sz="quarter" idx="12"/>
+          </p:nvPr>
+        </p:nvSpPr>
+        <p:spPr/>
+        <p:txBody>
+          <a:bodyPr/>
+          <a:lstStyle/>
+          <a:p>
+            <a:fld id="{BE61BAA3-275B-CA48-B210-7066BA7151C8}" type="slidenum">
+              <a:rPr lang="en-US" smtClean="0"/>
+              <a:t>7</a:t>
+            </a:fld>
+            <a:endParaRPr lang="en-US"/>
           </a:p>
         </p:txBody>
       </p:sp>
@@ -12346,6 +12886,29 @@
           </a:p>
         </p:txBody>
       </p:sp>
+      <p:sp>
+        <p:nvSpPr>
+          <p:cNvPr id="4" name="Slide Number Placeholder 3"/>
+          <p:cNvSpPr>
+            <a:spLocks noGrp="1"/>
+          </p:cNvSpPr>
+          <p:nvPr>
+            <p:ph type="sldNum" sz="quarter" idx="12"/>
+          </p:nvPr>
+        </p:nvSpPr>
+        <p:spPr/>
+        <p:txBody>
+          <a:bodyPr/>
+          <a:lstStyle/>
+          <a:p>
+            <a:fld id="{BE61BAA3-275B-CA48-B210-7066BA7151C8}" type="slidenum">
+              <a:rPr lang="en-US" smtClean="0"/>
+              <a:t>8</a:t>
+            </a:fld>
+            <a:endParaRPr lang="en-US"/>
+          </a:p>
+        </p:txBody>
+      </p:sp>
     </p:spTree>
     <p:extLst>
       <p:ext uri="{BB962C8B-B14F-4D97-AF65-F5344CB8AC3E}">
@@ -12811,6 +13374,29 @@
                 <a:schemeClr val="accent1"/>
               </a:solidFill>
             </a:endParaRPr>
+          </a:p>
+        </p:txBody>
+      </p:sp>
+      <p:sp>
+        <p:nvSpPr>
+          <p:cNvPr id="4" name="Slide Number Placeholder 3"/>
+          <p:cNvSpPr>
+            <a:spLocks noGrp="1"/>
+          </p:cNvSpPr>
+          <p:nvPr>
+            <p:ph type="sldNum" sz="quarter" idx="12"/>
+          </p:nvPr>
+        </p:nvSpPr>
+        <p:spPr/>
+        <p:txBody>
+          <a:bodyPr/>
+          <a:lstStyle/>
+          <a:p>
+            <a:fld id="{BE61BAA3-275B-CA48-B210-7066BA7151C8}" type="slidenum">
+              <a:rPr lang="en-US" smtClean="0"/>
+              <a:t>9</a:t>
+            </a:fld>
+            <a:endParaRPr lang="en-US"/>
           </a:p>
         </p:txBody>
       </p:sp>
